--- a/AzureDSVM/AzureDataScienceVirtualMachine.pptx
+++ b/AzureDSVM/AzureDataScienceVirtualMachine.pptx
@@ -217,7 +217,7 @@
           <a:p>
             <a:fld id="{EA5437A5-9A1F-423F-AB35-0B6CC9C46E62}" type="datetimeFigureOut">
               <a:rPr lang="en-US" smtClean="0"/>
-              <a:t>4/15/2018</a:t>
+              <a:t>4/22/2018</a:t>
             </a:fld>
             <a:endParaRPr lang="en-US"/>
           </a:p>
@@ -8647,8 +8647,8 @@
         </p:nvSpPr>
         <p:spPr>
           <a:xfrm>
-            <a:off x="9401274" y="5440517"/>
-            <a:ext cx="2829621" cy="523220"/>
+            <a:off x="612106" y="5261731"/>
+            <a:ext cx="2002471" cy="400110"/>
           </a:xfrm>
           <a:prstGeom prst="rect">
             <a:avLst/>
@@ -8662,7 +8662,7 @@
           <a:lstStyle/>
           <a:p>
             <a:r>
-              <a:rPr lang="en-US" sz="2800" i="1" dirty="0">
+              <a:rPr lang="en-US" sz="2000" i="1" dirty="0">
                 <a:solidFill>
                   <a:schemeClr val="bg1"/>
                 </a:solidFill>
@@ -8700,7 +8700,7 @@
         </p:blipFill>
         <p:spPr>
           <a:xfrm>
-            <a:off x="9965527" y="3711353"/>
+            <a:off x="762784" y="3773634"/>
             <a:ext cx="1701117" cy="1468226"/>
           </a:xfrm>
           <a:prstGeom prst="rect">
@@ -8920,7 +8920,7 @@
         </p:blipFill>
         <p:spPr>
           <a:xfrm>
-            <a:off x="9644533" y="6224675"/>
+            <a:off x="9782383" y="91294"/>
             <a:ext cx="2343107" cy="498995"/>
           </a:xfrm>
           <a:prstGeom prst="rect">
@@ -8975,7 +8975,7 @@
         </p:nvSpPr>
         <p:spPr>
           <a:xfrm rot="20509383">
-            <a:off x="907674" y="1722632"/>
+            <a:off x="907673" y="1212705"/>
             <a:ext cx="2191111" cy="2047625"/>
           </a:xfrm>
           <a:prstGeom prst="star7">
@@ -10745,7 +10745,7 @@
 </file>
 
 <file path=ppt/slides/slide2.xml><?xml version="1.0" encoding="utf-8"?>
-<p:sld xmlns:a="http://schemas.openxmlformats.org/drawingml/2006/main" xmlns:r="http://schemas.openxmlformats.org/officeDocument/2006/relationships" xmlns:p="http://schemas.openxmlformats.org/presentationml/2006/main" show="0">
+<p:sld xmlns:a="http://schemas.openxmlformats.org/drawingml/2006/main" xmlns:r="http://schemas.openxmlformats.org/officeDocument/2006/relationships" xmlns:p="http://schemas.openxmlformats.org/presentationml/2006/main">
   <p:cSld>
     <p:spTree>
       <p:nvGrpSpPr>
@@ -10796,7 +10796,7 @@
         </p:nvSpPr>
         <p:spPr>
           <a:xfrm>
-            <a:off x="201868" y="5169550"/>
+            <a:off x="191728" y="5315365"/>
             <a:ext cx="4853820" cy="1384995"/>
           </a:xfrm>
           <a:prstGeom prst="rect">
@@ -10890,7 +10890,7 @@
         <p:spPr>
           <a:xfrm>
             <a:off x="401337" y="1099975"/>
-            <a:ext cx="9308702" cy="3785652"/>
+            <a:ext cx="7772833" cy="4401205"/>
           </a:xfrm>
           <a:prstGeom prst="rect">
             <a:avLst/>
@@ -11018,7 +11018,7 @@
                 </a:solidFill>
                 <a:latin typeface="Arial Narrow" panose="020B0606020202030204" pitchFamily="34" charset="0"/>
               </a:rPr>
-              <a:t>Founded and lead PASS Chapter The RI Microsoft BI User Group and The SNE R User Group.</a:t>
+              <a:t>Founded and lead PASS Chapter The RI Microsoft BI User Group.</a:t>
             </a:r>
           </a:p>
           <a:p>
@@ -11045,10 +11045,14 @@
                 </a:solidFill>
                 <a:latin typeface="Arial Narrow" panose="020B0606020202030204" pitchFamily="34" charset="0"/>
               </a:rPr>
-              <a:t>Frequent presenter at technical conferences and user groups.</a:t>
-            </a:r>
-          </a:p>
-          <a:p>
+              <a:t>Greater Boston Area Data Science, ML, and AI Group.</a:t>
+            </a:r>
+          </a:p>
+          <a:p>
+            <a:pPr marL="285750" indent="-285750">
+              <a:buFont typeface="Arial" panose="020B0604020202020204" pitchFamily="34" charset="0"/>
+              <a:buChar char="•"/>
+            </a:pPr>
             <a:endParaRPr lang="en-US" sz="2000" dirty="0">
               <a:solidFill>
                 <a:schemeClr val="bg1"/>
@@ -11056,38 +11060,31 @@
               <a:latin typeface="Arial Narrow" panose="020B0606020202030204" pitchFamily="34" charset="0"/>
             </a:endParaRPr>
           </a:p>
-        </p:txBody>
-      </p:sp>
-      <p:pic>
-        <p:nvPicPr>
-          <p:cNvPr id="11" name="Picture 10"/>
-          <p:cNvPicPr>
-            <a:picLocks noChangeAspect="1"/>
-          </p:cNvPicPr>
-          <p:nvPr/>
-        </p:nvPicPr>
-        <p:blipFill>
-          <a:blip r:embed="rId6">
-            <a:extLst>
-              <a:ext uri="{28A0092B-C50C-407E-A947-70E740481C1C}">
-                <a14:useLocalDpi xmlns:a14="http://schemas.microsoft.com/office/drawing/2010/main" val="0"/>
-              </a:ext>
-            </a:extLst>
-          </a:blip>
-          <a:stretch>
-            <a:fillRect/>
-          </a:stretch>
-        </p:blipFill>
-        <p:spPr>
-          <a:xfrm>
-            <a:off x="10234236" y="5169550"/>
-            <a:ext cx="1792855" cy="1547405"/>
-          </a:xfrm>
-          <a:prstGeom prst="rect">
-            <a:avLst/>
-          </a:prstGeom>
-        </p:spPr>
-      </p:pic>
+          <a:p>
+            <a:pPr marL="285750" indent="-285750">
+              <a:buFont typeface="Arial" panose="020B0604020202020204" pitchFamily="34" charset="0"/>
+              <a:buChar char="•"/>
+            </a:pPr>
+            <a:r>
+              <a:rPr lang="en-US" sz="2000" dirty="0">
+                <a:solidFill>
+                  <a:schemeClr val="bg1"/>
+                </a:solidFill>
+                <a:latin typeface="Arial Narrow" panose="020B0606020202030204" pitchFamily="34" charset="0"/>
+              </a:rPr>
+              <a:t>Frequent presenter at technical conferences and user groups.</a:t>
+            </a:r>
+          </a:p>
+          <a:p>
+            <a:endParaRPr lang="en-US" sz="2000" dirty="0">
+              <a:solidFill>
+                <a:schemeClr val="bg1"/>
+              </a:solidFill>
+              <a:latin typeface="Arial Narrow" panose="020B0606020202030204" pitchFamily="34" charset="0"/>
+            </a:endParaRPr>
+          </a:p>
+        </p:txBody>
+      </p:sp>
       <p:pic>
         <p:nvPicPr>
           <p:cNvPr id="10" name="Picture 9" descr="A picture containing clipart&#10;&#10;Description generated with high confidence">
@@ -11103,7 +11100,7 @@
           <p:nvPr/>
         </p:nvPicPr>
         <p:blipFill>
-          <a:blip r:embed="rId7"/>
+          <a:blip r:embed="rId6"/>
           <a:stretch>
             <a:fillRect/>
           </a:stretch>
@@ -11174,7 +11171,7 @@
           <p:nvPr/>
         </p:nvPicPr>
         <p:blipFill>
-          <a:blip r:embed="rId8"/>
+          <a:blip r:embed="rId7"/>
           <a:stretch>
             <a:fillRect/>
           </a:stretch>
@@ -11789,8 +11786,8 @@
         </p:blipFill>
         <p:spPr>
           <a:xfrm>
-            <a:off x="1630272" y="3593368"/>
-            <a:ext cx="1501117" cy="1401896"/>
+            <a:off x="1893824" y="3733006"/>
+            <a:ext cx="1343478" cy="1254677"/>
           </a:xfrm>
           <a:prstGeom prst="rect">
             <a:avLst/>
@@ -11849,7 +11846,7 @@
         </p:blipFill>
         <p:spPr>
           <a:xfrm>
-            <a:off x="9648125" y="5599791"/>
+            <a:off x="8678408" y="5611177"/>
             <a:ext cx="2093292" cy="1013019"/>
           </a:xfrm>
           <a:prstGeom prst="rect">
@@ -11879,7 +11876,7 @@
         </p:blipFill>
         <p:spPr>
           <a:xfrm>
-            <a:off x="8044941" y="5606232"/>
+            <a:off x="7265945" y="5624060"/>
             <a:ext cx="1290497" cy="1000136"/>
           </a:xfrm>
           <a:prstGeom prst="rect">
@@ -11912,7 +11909,7 @@
         </p:blipFill>
         <p:spPr>
           <a:xfrm>
-            <a:off x="2017585" y="5614482"/>
+            <a:off x="1557004" y="5617618"/>
             <a:ext cx="1898808" cy="1000136"/>
           </a:xfrm>
           <a:prstGeom prst="rect">
@@ -11942,7 +11939,7 @@
         </p:blipFill>
         <p:spPr>
           <a:xfrm>
-            <a:off x="4594958" y="1236430"/>
+            <a:off x="4004916" y="1236430"/>
             <a:ext cx="5889004" cy="3680627"/>
           </a:xfrm>
           <a:prstGeom prst="rect">
@@ -11972,7 +11969,7 @@
         </p:blipFill>
         <p:spPr>
           <a:xfrm>
-            <a:off x="6539346" y="1449238"/>
+            <a:off x="5952749" y="1664898"/>
             <a:ext cx="1505595" cy="1166836"/>
           </a:xfrm>
           <a:prstGeom prst="rect">
@@ -12005,8 +12002,8 @@
         </p:blipFill>
         <p:spPr>
           <a:xfrm>
-            <a:off x="4120183" y="5599791"/>
-            <a:ext cx="2048810" cy="1024405"/>
+            <a:off x="3706672" y="5611925"/>
+            <a:ext cx="1898808" cy="1024405"/>
           </a:xfrm>
           <a:prstGeom prst="rect">
             <a:avLst/>
@@ -12035,7 +12032,7 @@
         </p:blipFill>
         <p:spPr>
           <a:xfrm>
-            <a:off x="6406303" y="5606859"/>
+            <a:off x="5749847" y="5624060"/>
             <a:ext cx="1365874" cy="1024405"/>
           </a:xfrm>
           <a:prstGeom prst="rect">

--- a/AzureDSVM/AzureDataScienceVirtualMachine.pptx
+++ b/AzureDSVM/AzureDataScienceVirtualMachine.pptx
@@ -217,7 +217,7 @@
           <a:p>
             <a:fld id="{EA5437A5-9A1F-423F-AB35-0B6CC9C46E62}" type="datetimeFigureOut">
               <a:rPr lang="en-US" smtClean="0"/>
-              <a:t>4/15/2018</a:t>
+              <a:t>5/2/2018</a:t>
             </a:fld>
             <a:endParaRPr lang="en-US"/>
           </a:p>
@@ -10745,7 +10745,7 @@
 </file>
 
 <file path=ppt/slides/slide2.xml><?xml version="1.0" encoding="utf-8"?>
-<p:sld xmlns:a="http://schemas.openxmlformats.org/drawingml/2006/main" xmlns:r="http://schemas.openxmlformats.org/officeDocument/2006/relationships" xmlns:p="http://schemas.openxmlformats.org/presentationml/2006/main" show="0">
+<p:sld xmlns:a="http://schemas.openxmlformats.org/drawingml/2006/main" xmlns:r="http://schemas.openxmlformats.org/officeDocument/2006/relationships" xmlns:p="http://schemas.openxmlformats.org/presentationml/2006/main">
   <p:cSld>
     <p:spTree>
       <p:nvGrpSpPr>
